--- a/Datazo.pptx
+++ b/Datazo.pptx
@@ -3440,7 +3440,7 @@
           <a:p>
             <a:fld id="{9544EA90-306F-45C7-8AEA-F0890CB16039}" type="datetime1">
               <a:rPr lang="es-ES" smtClean="0"/>
-              <a:t>17/03/2021</a:t>
+              <a:t>12/04/2021</a:t>
             </a:fld>
             <a:endParaRPr lang="es-ES" dirty="0"/>
           </a:p>
@@ -3606,7 +3606,7 @@
             <a:fld id="{2DA2A226-B20B-4D06-8640-8814B3489581}" type="datetime1">
               <a:rPr lang="es-ES" smtClean="0"/>
               <a:pPr/>
-              <a:t>17/03/2021</a:t>
+              <a:t>12/04/2021</a:t>
             </a:fld>
             <a:endParaRPr lang="es-ES" dirty="0"/>
           </a:p>
@@ -4543,7 +4543,7 @@
             <a:pPr rtl="0"/>
             <a:fld id="{57471103-BF6F-4523-9C54-5778E416DB58}" type="datetime1">
               <a:rPr lang="es-ES" noProof="0" smtClean="0"/>
-              <a:t>17/03/2021</a:t>
+              <a:t>12/04/2021</a:t>
             </a:fld>
             <a:endParaRPr lang="es-ES" noProof="0" dirty="0"/>
           </a:p>
@@ -4721,7 +4721,7 @@
             <a:pPr rtl="0"/>
             <a:fld id="{61C921E0-F9B3-4702-8EC0-299925A79D98}" type="datetime1">
               <a:rPr lang="es-ES" noProof="0" smtClean="0"/>
-              <a:t>17/03/2021</a:t>
+              <a:t>12/04/2021</a:t>
             </a:fld>
             <a:endParaRPr lang="es-ES" noProof="0" dirty="0"/>
           </a:p>
@@ -4909,7 +4909,7 @@
             <a:pPr rtl="0"/>
             <a:fld id="{2178A963-0DBC-4F57-AC62-29DD17473BF1}" type="datetime1">
               <a:rPr lang="es-ES" noProof="0" smtClean="0"/>
-              <a:t>17/03/2021</a:t>
+              <a:t>12/04/2021</a:t>
             </a:fld>
             <a:endParaRPr lang="es-ES" noProof="0" dirty="0"/>
           </a:p>
@@ -5087,7 +5087,7 @@
             <a:pPr rtl="0"/>
             <a:fld id="{498DF8EB-855A-4C83-AF3D-50B349D4E538}" type="datetime1">
               <a:rPr lang="es-ES" noProof="0" smtClean="0"/>
-              <a:t>17/03/2021</a:t>
+              <a:t>12/04/2021</a:t>
             </a:fld>
             <a:endParaRPr lang="es-ES" noProof="0" dirty="0"/>
           </a:p>
@@ -5363,7 +5363,7 @@
             <a:pPr rtl="0"/>
             <a:fld id="{9E9B2C39-3850-493C-952C-ECB939438560}" type="datetime1">
               <a:rPr lang="es-ES" noProof="0" smtClean="0"/>
-              <a:t>17/03/2021</a:t>
+              <a:t>12/04/2021</a:t>
             </a:fld>
             <a:endParaRPr lang="es-ES" noProof="0" dirty="0"/>
           </a:p>
@@ -5603,7 +5603,7 @@
             <a:pPr rtl="0"/>
             <a:fld id="{1D5FC420-51AA-4FAF-95BB-30176D68DEE8}" type="datetime1">
               <a:rPr lang="es-ES" noProof="0" smtClean="0"/>
-              <a:t>17/03/2021</a:t>
+              <a:t>12/04/2021</a:t>
             </a:fld>
             <a:endParaRPr lang="es-ES" noProof="0" dirty="0"/>
           </a:p>
@@ -5969,7 +5969,7 @@
             <a:pPr rtl="0"/>
             <a:fld id="{98F8B10C-B5AA-496A-AB83-56DD82CCA5A4}" type="datetime1">
               <a:rPr lang="es-ES" noProof="0" smtClean="0"/>
-              <a:t>17/03/2021</a:t>
+              <a:t>12/04/2021</a:t>
             </a:fld>
             <a:endParaRPr lang="es-ES" noProof="0" dirty="0"/>
           </a:p>
@@ -6120,7 +6120,7 @@
             <a:pPr rtl="0"/>
             <a:fld id="{A5E055F8-74A9-4173-B5CF-879C893039BB}" type="datetime1">
               <a:rPr lang="es-ES" noProof="0" smtClean="0"/>
-              <a:t>17/03/2021</a:t>
+              <a:t>12/04/2021</a:t>
             </a:fld>
             <a:endParaRPr lang="es-ES" noProof="0" dirty="0"/>
           </a:p>
@@ -6222,7 +6222,7 @@
             <a:pPr rtl="0"/>
             <a:fld id="{26141DB3-9D6D-4B67-A217-70651BDEF77B}" type="datetime1">
               <a:rPr lang="es-ES" noProof="0" smtClean="0"/>
-              <a:t>17/03/2021</a:t>
+              <a:t>12/04/2021</a:t>
             </a:fld>
             <a:endParaRPr lang="es-ES" noProof="0" dirty="0"/>
           </a:p>
@@ -6587,7 +6587,7 @@
             <a:pPr rtl="0"/>
             <a:fld id="{3B2F7798-4E4E-464F-96F9-7EFD6F0AD4BD}" type="datetime1">
               <a:rPr lang="es-ES" noProof="0" smtClean="0"/>
-              <a:t>17/03/2021</a:t>
+              <a:t>12/04/2021</a:t>
             </a:fld>
             <a:endParaRPr lang="es-ES" noProof="0" dirty="0"/>
           </a:p>
@@ -6953,7 +6953,7 @@
             <a:pPr rtl="0"/>
             <a:fld id="{CB86E2E8-7102-4A1A-AF5B-45BB32A33A1B}" type="datetime1">
               <a:rPr lang="es-ES" noProof="0" smtClean="0"/>
-              <a:t>17/03/2021</a:t>
+              <a:t>12/04/2021</a:t>
             </a:fld>
             <a:endParaRPr lang="es-ES" noProof="0" dirty="0"/>
           </a:p>
@@ -7201,7 +7201,7 @@
             <a:pPr rtl="0"/>
             <a:fld id="{F9BA73C7-9371-4491-AB0C-39991AAC6058}" type="datetime1">
               <a:rPr lang="es-ES" noProof="0" smtClean="0"/>
-              <a:t>17/03/2021</a:t>
+              <a:t>12/04/2021</a:t>
             </a:fld>
             <a:endParaRPr lang="es-ES" noProof="0" dirty="0"/>
           </a:p>
@@ -8536,35 +8536,6 @@
           </a:prstGeom>
         </p:spPr>
       </p:pic>
-      <p:pic>
-        <p:nvPicPr>
-          <p:cNvPr id="9" name="Marcador de contenido 8" descr="Escala de tiempo&#10;&#10;Descripción generada automáticamente">
-            <a:extLst>
-              <a:ext uri="{FF2B5EF4-FFF2-40B4-BE49-F238E27FC236}">
-                <a16:creationId xmlns:a16="http://schemas.microsoft.com/office/drawing/2014/main" id="{399453A0-012B-4EC3-9696-9B3F58F3CA7E}"/>
-              </a:ext>
-            </a:extLst>
-          </p:cNvPr>
-          <p:cNvPicPr>
-            <a:picLocks noChangeAspect="1"/>
-          </p:cNvPicPr>
-          <p:nvPr/>
-        </p:nvPicPr>
-        <p:blipFill rotWithShape="1">
-          <a:blip r:embed="rId4"/>
-          <a:srcRect t="16906" r="-1" b="11041"/>
-          <a:stretch/>
-        </p:blipFill>
-        <p:spPr>
-          <a:xfrm>
-            <a:off x="6129528" y="-1"/>
-            <a:ext cx="6062472" cy="3428999"/>
-          </a:xfrm>
-          <a:prstGeom prst="rect">
-            <a:avLst/>
-          </a:prstGeom>
-        </p:spPr>
-      </p:pic>
       <p:sp>
         <p:nvSpPr>
           <p:cNvPr id="29" name="Content Placeholder 28">
@@ -8630,6 +8601,36 @@
           </a:p>
         </p:txBody>
       </p:sp>
+      <p:pic>
+        <p:nvPicPr>
+          <p:cNvPr id="3" name="Imagen 2">
+            <a:extLst>
+              <a:ext uri="{FF2B5EF4-FFF2-40B4-BE49-F238E27FC236}">
+                <a16:creationId xmlns:a16="http://schemas.microsoft.com/office/drawing/2014/main" id="{F0684DEA-F7D9-4E60-88D4-78C2D745ACA9}"/>
+              </a:ext>
+            </a:extLst>
+          </p:cNvPr>
+          <p:cNvPicPr>
+            <a:picLocks noChangeAspect="1"/>
+          </p:cNvPicPr>
+          <p:nvPr/>
+        </p:nvPicPr>
+        <p:blipFill>
+          <a:blip r:embed="rId4"/>
+          <a:stretch>
+            <a:fillRect/>
+          </a:stretch>
+        </p:blipFill>
+        <p:spPr>
+          <a:xfrm>
+            <a:off x="6048280" y="0"/>
+            <a:ext cx="6143720" cy="3428989"/>
+          </a:xfrm>
+          <a:prstGeom prst="rect">
+            <a:avLst/>
+          </a:prstGeom>
+        </p:spPr>
+      </p:pic>
     </p:spTree>
     <p:extLst>
       <p:ext uri="{BB962C8B-B14F-4D97-AF65-F5344CB8AC3E}">
@@ -8873,10 +8874,10 @@
       </p:sp>
       <p:pic>
         <p:nvPicPr>
-          <p:cNvPr id="6" name="Imagen 5">
+          <p:cNvPr id="8" name="Imagen 7">
             <a:extLst>
               <a:ext uri="{FF2B5EF4-FFF2-40B4-BE49-F238E27FC236}">
-                <a16:creationId xmlns:a16="http://schemas.microsoft.com/office/drawing/2014/main" id="{C9F037A6-5B00-4889-9B64-CCC9D700BD0B}"/>
+                <a16:creationId xmlns:a16="http://schemas.microsoft.com/office/drawing/2014/main" id="{C9237F2A-B641-4B43-ABB2-D5D2869A102A}"/>
               </a:ext>
             </a:extLst>
           </p:cNvPr>
@@ -8893,8 +8894,8 @@
         </p:blipFill>
         <p:spPr>
           <a:xfrm>
-            <a:off x="5213222" y="685800"/>
-            <a:ext cx="6419850" cy="5486400"/>
+            <a:off x="5094160" y="1034351"/>
+            <a:ext cx="6657975" cy="4886325"/>
           </a:xfrm>
           <a:prstGeom prst="rect">
             <a:avLst/>
@@ -9219,7 +9220,7 @@
                   <a:schemeClr val="bg1"/>
                 </a:solidFill>
               </a:rPr>
-              <a:t>Se puede observar la variación de precios media comparando el periodo de confinamiento con el año anterior</a:t>
+              <a:t>Se puede observar la variación media de precios comparando el periodo de confinamiento con el año anterior</a:t>
             </a:r>
           </a:p>
         </p:txBody>

--- a/Datazo.pptx
+++ b/Datazo.pptx
@@ -1084,29 +1084,8 @@
                 </a:glow>
               </a:effectLst>
             </a:rPr>
-            <a:t>Visualización con </a:t>
+            <a:t>Visualización con Shinny</a:t>
           </a:r>
-          <a:r>
-            <a:rPr lang="es-ES" noProof="0" dirty="0" err="1">
-              <a:effectLst>
-                <a:glow rad="152400">
-                  <a:schemeClr val="bg1">
-                    <a:alpha val="19000"/>
-                  </a:schemeClr>
-                </a:glow>
-              </a:effectLst>
-            </a:rPr>
-            <a:t>Shinny</a:t>
-          </a:r>
-          <a:endParaRPr lang="es-ES" noProof="0" dirty="0">
-            <a:effectLst>
-              <a:glow rad="152400">
-                <a:schemeClr val="bg1">
-                  <a:alpha val="19000"/>
-                </a:schemeClr>
-              </a:glow>
-            </a:effectLst>
-          </a:endParaRPr>
         </a:p>
       </dgm:t>
     </dgm:pt>
@@ -1670,29 +1649,8 @@
                 </a:glow>
               </a:effectLst>
             </a:rPr>
-            <a:t>Visualización con </a:t>
+            <a:t>Visualización con Shinny</a:t>
           </a:r>
-          <a:r>
-            <a:rPr lang="es-ES" sz="2500" kern="1200" noProof="0" dirty="0" err="1">
-              <a:effectLst>
-                <a:glow rad="152400">
-                  <a:schemeClr val="bg1">
-                    <a:alpha val="19000"/>
-                  </a:schemeClr>
-                </a:glow>
-              </a:effectLst>
-            </a:rPr>
-            <a:t>Shinny</a:t>
-          </a:r>
-          <a:endParaRPr lang="es-ES" sz="2500" kern="1200" noProof="0" dirty="0">
-            <a:effectLst>
-              <a:glow rad="152400">
-                <a:schemeClr val="bg1">
-                  <a:alpha val="19000"/>
-                </a:schemeClr>
-              </a:glow>
-            </a:effectLst>
-          </a:endParaRPr>
         </a:p>
       </dsp:txBody>
       <dsp:txXfrm>
@@ -3440,7 +3398,7 @@
           <a:p>
             <a:fld id="{9544EA90-306F-45C7-8AEA-F0890CB16039}" type="datetime1">
               <a:rPr lang="es-ES" smtClean="0"/>
-              <a:t>12/04/2021</a:t>
+              <a:t>13/04/2021</a:t>
             </a:fld>
             <a:endParaRPr lang="es-ES" dirty="0"/>
           </a:p>
@@ -3606,7 +3564,7 @@
             <a:fld id="{2DA2A226-B20B-4D06-8640-8814B3489581}" type="datetime1">
               <a:rPr lang="es-ES" smtClean="0"/>
               <a:pPr/>
-              <a:t>12/04/2021</a:t>
+              <a:t>13/04/2021</a:t>
             </a:fld>
             <a:endParaRPr lang="es-ES" dirty="0"/>
           </a:p>
@@ -4543,7 +4501,7 @@
             <a:pPr rtl="0"/>
             <a:fld id="{57471103-BF6F-4523-9C54-5778E416DB58}" type="datetime1">
               <a:rPr lang="es-ES" noProof="0" smtClean="0"/>
-              <a:t>12/04/2021</a:t>
+              <a:t>13/04/2021</a:t>
             </a:fld>
             <a:endParaRPr lang="es-ES" noProof="0" dirty="0"/>
           </a:p>
@@ -4721,7 +4679,7 @@
             <a:pPr rtl="0"/>
             <a:fld id="{61C921E0-F9B3-4702-8EC0-299925A79D98}" type="datetime1">
               <a:rPr lang="es-ES" noProof="0" smtClean="0"/>
-              <a:t>12/04/2021</a:t>
+              <a:t>13/04/2021</a:t>
             </a:fld>
             <a:endParaRPr lang="es-ES" noProof="0" dirty="0"/>
           </a:p>
@@ -4909,7 +4867,7 @@
             <a:pPr rtl="0"/>
             <a:fld id="{2178A963-0DBC-4F57-AC62-29DD17473BF1}" type="datetime1">
               <a:rPr lang="es-ES" noProof="0" smtClean="0"/>
-              <a:t>12/04/2021</a:t>
+              <a:t>13/04/2021</a:t>
             </a:fld>
             <a:endParaRPr lang="es-ES" noProof="0" dirty="0"/>
           </a:p>
@@ -5087,7 +5045,7 @@
             <a:pPr rtl="0"/>
             <a:fld id="{498DF8EB-855A-4C83-AF3D-50B349D4E538}" type="datetime1">
               <a:rPr lang="es-ES" noProof="0" smtClean="0"/>
-              <a:t>12/04/2021</a:t>
+              <a:t>13/04/2021</a:t>
             </a:fld>
             <a:endParaRPr lang="es-ES" noProof="0" dirty="0"/>
           </a:p>
@@ -5363,7 +5321,7 @@
             <a:pPr rtl="0"/>
             <a:fld id="{9E9B2C39-3850-493C-952C-ECB939438560}" type="datetime1">
               <a:rPr lang="es-ES" noProof="0" smtClean="0"/>
-              <a:t>12/04/2021</a:t>
+              <a:t>13/04/2021</a:t>
             </a:fld>
             <a:endParaRPr lang="es-ES" noProof="0" dirty="0"/>
           </a:p>
@@ -5603,7 +5561,7 @@
             <a:pPr rtl="0"/>
             <a:fld id="{1D5FC420-51AA-4FAF-95BB-30176D68DEE8}" type="datetime1">
               <a:rPr lang="es-ES" noProof="0" smtClean="0"/>
-              <a:t>12/04/2021</a:t>
+              <a:t>13/04/2021</a:t>
             </a:fld>
             <a:endParaRPr lang="es-ES" noProof="0" dirty="0"/>
           </a:p>
@@ -5969,7 +5927,7 @@
             <a:pPr rtl="0"/>
             <a:fld id="{98F8B10C-B5AA-496A-AB83-56DD82CCA5A4}" type="datetime1">
               <a:rPr lang="es-ES" noProof="0" smtClean="0"/>
-              <a:t>12/04/2021</a:t>
+              <a:t>13/04/2021</a:t>
             </a:fld>
             <a:endParaRPr lang="es-ES" noProof="0" dirty="0"/>
           </a:p>
@@ -6120,7 +6078,7 @@
             <a:pPr rtl="0"/>
             <a:fld id="{A5E055F8-74A9-4173-B5CF-879C893039BB}" type="datetime1">
               <a:rPr lang="es-ES" noProof="0" smtClean="0"/>
-              <a:t>12/04/2021</a:t>
+              <a:t>13/04/2021</a:t>
             </a:fld>
             <a:endParaRPr lang="es-ES" noProof="0" dirty="0"/>
           </a:p>
@@ -6222,7 +6180,7 @@
             <a:pPr rtl="0"/>
             <a:fld id="{26141DB3-9D6D-4B67-A217-70651BDEF77B}" type="datetime1">
               <a:rPr lang="es-ES" noProof="0" smtClean="0"/>
-              <a:t>12/04/2021</a:t>
+              <a:t>13/04/2021</a:t>
             </a:fld>
             <a:endParaRPr lang="es-ES" noProof="0" dirty="0"/>
           </a:p>
@@ -6587,7 +6545,7 @@
             <a:pPr rtl="0"/>
             <a:fld id="{3B2F7798-4E4E-464F-96F9-7EFD6F0AD4BD}" type="datetime1">
               <a:rPr lang="es-ES" noProof="0" smtClean="0"/>
-              <a:t>12/04/2021</a:t>
+              <a:t>13/04/2021</a:t>
             </a:fld>
             <a:endParaRPr lang="es-ES" noProof="0" dirty="0"/>
           </a:p>
@@ -6953,7 +6911,7 @@
             <a:pPr rtl="0"/>
             <a:fld id="{CB86E2E8-7102-4A1A-AF5B-45BB32A33A1B}" type="datetime1">
               <a:rPr lang="es-ES" noProof="0" smtClean="0"/>
-              <a:t>12/04/2021</a:t>
+              <a:t>13/04/2021</a:t>
             </a:fld>
             <a:endParaRPr lang="es-ES" noProof="0" dirty="0"/>
           </a:p>
@@ -7201,7 +7159,7 @@
             <a:pPr rtl="0"/>
             <a:fld id="{F9BA73C7-9371-4491-AB0C-39991AAC6058}" type="datetime1">
               <a:rPr lang="es-ES" noProof="0" smtClean="0"/>
-              <a:t>12/04/2021</a:t>
+              <a:t>13/04/2021</a:t>
             </a:fld>
             <a:endParaRPr lang="es-ES" noProof="0" dirty="0"/>
           </a:p>
@@ -8480,20 +8438,35 @@
         </p:spPr>
         <p:txBody>
           <a:bodyPr vert="horz" lIns="274320" tIns="182880" rIns="274320" bIns="182880" rtlCol="0" anchorCtr="1">
-            <a:normAutofit/>
+            <a:normAutofit fontScale="90000"/>
           </a:bodyPr>
           <a:lstStyle/>
           <a:p>
             <a:r>
-              <a:rPr lang="en-US" sz="1700">
+              <a:rPr lang="en-US" sz="1900" dirty="0">
                 <a:solidFill>
                   <a:schemeClr val="bg1"/>
                 </a:solidFill>
               </a:rPr>
-              <a:t>Obtenemos un índice y CLuster</a:t>
+              <a:t>OBTENCIÓN DE un índice</a:t>
             </a:r>
             <a:br>
-              <a:rPr lang="en-US" sz="1700">
+              <a:rPr lang="en-US" sz="1900" dirty="0">
+                <a:solidFill>
+                  <a:schemeClr val="bg1"/>
+                </a:solidFill>
+              </a:rPr>
+            </a:br>
+            <a:r>
+              <a:rPr lang="en-US" sz="1900" dirty="0">
+                <a:solidFill>
+                  <a:schemeClr val="bg1"/>
+                </a:solidFill>
+              </a:rPr>
+              <a:t>y AGRUPACIÓN de PRODUCTOS</a:t>
+            </a:r>
+            <a:br>
+              <a:rPr lang="en-US" sz="1700" dirty="0">
                 <a:solidFill>
                   <a:schemeClr val="bg1"/>
                 </a:solidFill>
@@ -8580,23 +8553,7 @@
                   <a:schemeClr val="bg1"/>
                 </a:solidFill>
               </a:rPr>
-              <a:t>Con el índice se genera un </a:t>
-            </a:r>
-            <a:r>
-              <a:rPr lang="es-ES" sz="2000" dirty="0" err="1">
-                <a:solidFill>
-                  <a:schemeClr val="bg1"/>
-                </a:solidFill>
-              </a:rPr>
-              <a:t>cluster</a:t>
-            </a:r>
-            <a:r>
-              <a:rPr lang="es-ES" sz="2000" dirty="0">
-                <a:solidFill>
-                  <a:schemeClr val="bg1"/>
-                </a:solidFill>
-              </a:rPr>
-              <a:t> jerárquico</a:t>
+              <a:t>Se agrupan los productos en función del índice obtenido</a:t>
             </a:r>
           </a:p>
         </p:txBody>
@@ -8625,6 +8582,35 @@
           <a:xfrm>
             <a:off x="6048280" y="0"/>
             <a:ext cx="6143720" cy="3428989"/>
+          </a:xfrm>
+          <a:prstGeom prst="rect">
+            <a:avLst/>
+          </a:prstGeom>
+        </p:spPr>
+      </p:pic>
+      <p:pic>
+        <p:nvPicPr>
+          <p:cNvPr id="5" name="Imagen 4">
+            <a:extLst>
+              <a:ext uri="{FF2B5EF4-FFF2-40B4-BE49-F238E27FC236}">
+                <a16:creationId xmlns:a16="http://schemas.microsoft.com/office/drawing/2014/main" id="{6CEC9A9C-B64E-4987-ABCB-AB95290DE5E6}"/>
+              </a:ext>
+            </a:extLst>
+          </p:cNvPr>
+          <p:cNvPicPr>
+            <a:picLocks noChangeAspect="1"/>
+          </p:cNvPicPr>
+          <p:nvPr/>
+        </p:nvPicPr>
+        <p:blipFill rotWithShape="1">
+          <a:blip r:embed="rId5"/>
+          <a:srcRect l="18544" t="-1" r="-1012" b="499"/>
+          <a:stretch/>
+        </p:blipFill>
+        <p:spPr>
+          <a:xfrm>
+            <a:off x="0" y="0"/>
+            <a:ext cx="6048280" cy="3428989"/>
           </a:xfrm>
           <a:prstGeom prst="rect">
             <a:avLst/>
@@ -8844,31 +8830,6 @@
               </a:rPr>
               <a:t>Comparativa de comercio exterior por país</a:t>
             </a:r>
-          </a:p>
-        </p:txBody>
-      </p:sp>
-      <p:sp>
-        <p:nvSpPr>
-          <p:cNvPr id="4" name="Marcador de contenido 3">
-            <a:extLst>
-              <a:ext uri="{FF2B5EF4-FFF2-40B4-BE49-F238E27FC236}">
-                <a16:creationId xmlns:a16="http://schemas.microsoft.com/office/drawing/2014/main" id="{D4BBA1D7-8DFE-4AF5-85CA-F79E56CDE50D}"/>
-              </a:ext>
-            </a:extLst>
-          </p:cNvPr>
-          <p:cNvSpPr>
-            <a:spLocks noGrp="1"/>
-          </p:cNvSpPr>
-          <p:nvPr>
-            <p:ph idx="1"/>
-          </p:nvPr>
-        </p:nvSpPr>
-        <p:spPr/>
-        <p:txBody>
-          <a:bodyPr/>
-          <a:lstStyle/>
-          <a:p>
-            <a:endParaRPr lang="es-ES" dirty="0"/>
           </a:p>
         </p:txBody>
       </p:sp>
@@ -9128,31 +9089,6 @@
                 <a:srgbClr val="FFFFFF"/>
               </a:solidFill>
             </a:endParaRPr>
-          </a:p>
-        </p:txBody>
-      </p:sp>
-      <p:sp>
-        <p:nvSpPr>
-          <p:cNvPr id="4" name="Marcador de contenido 3">
-            <a:extLst>
-              <a:ext uri="{FF2B5EF4-FFF2-40B4-BE49-F238E27FC236}">
-                <a16:creationId xmlns:a16="http://schemas.microsoft.com/office/drawing/2014/main" id="{D4BBA1D7-8DFE-4AF5-85CA-F79E56CDE50D}"/>
-              </a:ext>
-            </a:extLst>
-          </p:cNvPr>
-          <p:cNvSpPr>
-            <a:spLocks noGrp="1"/>
-          </p:cNvSpPr>
-          <p:nvPr>
-            <p:ph idx="1"/>
-          </p:nvPr>
-        </p:nvSpPr>
-        <p:spPr/>
-        <p:txBody>
-          <a:bodyPr/>
-          <a:lstStyle/>
-          <a:p>
-            <a:endParaRPr lang="es-ES" dirty="0"/>
           </a:p>
         </p:txBody>
       </p:sp>
@@ -10264,6 +10200,23 @@
 </file>
 
 <file path=customXml/item1.xml><?xml version="1.0" encoding="utf-8"?>
+<p:properties xmlns:p="http://schemas.microsoft.com/office/2006/metadata/properties" xmlns:xsi="http://www.w3.org/2001/XMLSchema-instance" xmlns:pc="http://schemas.microsoft.com/office/infopath/2007/PartnerControls">
+  <documentManagement>
+    <MediaServiceKeyPoints xmlns="71af3243-3dd4-4a8d-8c0d-dd76da1f02a5" xsi:nil="true"/>
+  </documentManagement>
+</p:properties>
+</file>
+
+<file path=customXml/item2.xml><?xml version="1.0" encoding="utf-8"?>
+<?mso-contentType ?>
+<FormTemplates xmlns="http://schemas.microsoft.com/sharepoint/v3/contenttype/forms">
+  <Display>DocumentLibraryForm</Display>
+  <Edit>DocumentLibraryForm</Edit>
+  <New>DocumentLibraryForm</New>
+</FormTemplates>
+</file>
+
+<file path=customXml/item3.xml><?xml version="1.0" encoding="utf-8"?>
 <ct:contentTypeSchema xmlns:ct="http://schemas.microsoft.com/office/2006/metadata/contentType" xmlns:ma="http://schemas.microsoft.com/office/2006/metadata/properties/metaAttributes" ct:_="" ma:_="" ma:contentTypeName="Document" ma:contentTypeID="0x01010079F111ED35F8CC479449609E8A0923A6" ma:contentTypeVersion="11" ma:contentTypeDescription="Create a new document." ma:contentTypeScope="" ma:versionID="1c2eb7a32e66fb6e4260f3771546a5e2">
   <xsd:schema xmlns:xsd="http://www.w3.org/2001/XMLSchema" xmlns:xs="http://www.w3.org/2001/XMLSchema" xmlns:p="http://schemas.microsoft.com/office/2006/metadata/properties" xmlns:ns2="71af3243-3dd4-4a8d-8c0d-dd76da1f02a5" xmlns:ns3="16c05727-aa75-4e4a-9b5f-8a80a1165891" targetNamespace="http://schemas.microsoft.com/office/2006/metadata/properties" ma:root="true" ma:fieldsID="04e1f6479c48b08974ba73b5ca973489" ns2:_="" ns3:_="">
     <xsd:import namespace="71af3243-3dd4-4a8d-8c0d-dd76da1f02a5"/>
@@ -10474,24 +10427,25 @@
 </ct:contentTypeSchema>
 </file>
 
-<file path=customXml/item2.xml><?xml version="1.0" encoding="utf-8"?>
-<?mso-contentType ?>
-<FormTemplates xmlns="http://schemas.microsoft.com/sharepoint/v3/contenttype/forms">
-  <Display>DocumentLibraryForm</Display>
-  <Edit>DocumentLibraryForm</Edit>
-  <New>DocumentLibraryForm</New>
-</FormTemplates>
+<file path=customXml/itemProps1.xml><?xml version="1.0" encoding="utf-8"?>
+<ds:datastoreItem xmlns:ds="http://schemas.openxmlformats.org/officeDocument/2006/customXml" ds:itemID="{620ED59B-F67D-4B99-A0A7-E5237FF58100}">
+  <ds:schemaRefs>
+    <ds:schemaRef ds:uri="http://schemas.microsoft.com/office/2006/metadata/properties"/>
+    <ds:schemaRef ds:uri="http://schemas.microsoft.com/office/infopath/2007/PartnerControls"/>
+    <ds:schemaRef ds:uri="71af3243-3dd4-4a8d-8c0d-dd76da1f02a5"/>
+  </ds:schemaRefs>
+</ds:datastoreItem>
 </file>
 
-<file path=customXml/item3.xml><?xml version="1.0" encoding="utf-8"?>
-<p:properties xmlns:p="http://schemas.microsoft.com/office/2006/metadata/properties" xmlns:xsi="http://www.w3.org/2001/XMLSchema-instance" xmlns:pc="http://schemas.microsoft.com/office/infopath/2007/PartnerControls">
-  <documentManagement>
-    <MediaServiceKeyPoints xmlns="71af3243-3dd4-4a8d-8c0d-dd76da1f02a5" xsi:nil="true"/>
-  </documentManagement>
-</p:properties>
+<file path=customXml/itemProps2.xml><?xml version="1.0" encoding="utf-8"?>
+<ds:datastoreItem xmlns:ds="http://schemas.openxmlformats.org/officeDocument/2006/customXml" ds:itemID="{3E17AD15-0DEB-4851-82A2-261C041346DD}">
+  <ds:schemaRefs>
+    <ds:schemaRef ds:uri="http://schemas.microsoft.com/sharepoint/v3/contenttype/forms"/>
+  </ds:schemaRefs>
+</ds:datastoreItem>
 </file>
 
-<file path=customXml/itemProps1.xml><?xml version="1.0" encoding="utf-8"?>
+<file path=customXml/itemProps3.xml><?xml version="1.0" encoding="utf-8"?>
 <ds:datastoreItem xmlns:ds="http://schemas.openxmlformats.org/officeDocument/2006/customXml" ds:itemID="{22736BCB-6CE4-414B-B2BE-1DA087E5215C}">
   <ds:schemaRefs>
     <ds:schemaRef ds:uri="http://schemas.microsoft.com/office/2006/metadata/contentType"/>
@@ -10508,22 +10462,4 @@
     <ds:schemaRef ds:uri="http://schemas.microsoft.com/internal/obd"/>
   </ds:schemaRefs>
 </ds:datastoreItem>
-</file>
-
-<file path=customXml/itemProps2.xml><?xml version="1.0" encoding="utf-8"?>
-<ds:datastoreItem xmlns:ds="http://schemas.openxmlformats.org/officeDocument/2006/customXml" ds:itemID="{3E17AD15-0DEB-4851-82A2-261C041346DD}">
-  <ds:schemaRefs>
-    <ds:schemaRef ds:uri="http://schemas.microsoft.com/sharepoint/v3/contenttype/forms"/>
-  </ds:schemaRefs>
-</ds:datastoreItem>
-</file>
-
-<file path=customXml/itemProps3.xml><?xml version="1.0" encoding="utf-8"?>
-<ds:datastoreItem xmlns:ds="http://schemas.openxmlformats.org/officeDocument/2006/customXml" ds:itemID="{620ED59B-F67D-4B99-A0A7-E5237FF58100}">
-  <ds:schemaRefs>
-    <ds:schemaRef ds:uri="http://schemas.microsoft.com/office/2006/metadata/properties"/>
-    <ds:schemaRef ds:uri="http://schemas.microsoft.com/office/infopath/2007/PartnerControls"/>
-    <ds:schemaRef ds:uri="71af3243-3dd4-4a8d-8c0d-dd76da1f02a5"/>
-  </ds:schemaRefs>
-</ds:datastoreItem>
 </file>
--- a/Datazo.pptx
+++ b/Datazo.pptx
@@ -1321,7 +1321,9 @@
       </dgm:spPr>
       <dgm:extLst>
         <a:ext uri="{E40237B7-FDA0-4F09-8148-C483321AD2D9}">
-          <dgm14:cNvPr xmlns:dgm14="http://schemas.microsoft.com/office/drawing/2010/diagram" id="0" name="" descr="Gafas 3D con relleno sólido"/>
+          <dgm14:cNvPr xmlns:dgm14="http://schemas.microsoft.com/office/drawing/2010/diagram" id="0" name="" descr="Gafas 3D con relleno sólido">
+            <a:hlinkClick xmlns:r="http://schemas.openxmlformats.org/officeDocument/2006/relationships" r:id="rId3"/>
+          </dgm14:cNvPr>
         </a:ext>
       </dgm:extLst>
     </dgm:pt>
@@ -1362,10 +1364,10 @@
       <dgm:prSet presAssocID="{14BC708E-A0A1-4102-88E4-E75128B4E51E}" presName="iconRect" presStyleLbl="node1" presStyleIdx="1" presStyleCnt="3" custScaleX="75132" custScaleY="75132" custLinFactNeighborX="-5898" custLinFactNeighborY="-35112"/>
       <dgm:spPr>
         <a:blipFill>
-          <a:blip xmlns:r="http://schemas.openxmlformats.org/officeDocument/2006/relationships" r:embed="rId3">
+          <a:blip xmlns:r="http://schemas.openxmlformats.org/officeDocument/2006/relationships" r:embed="rId4">
             <a:extLst>
               <a:ext uri="{96DAC541-7B7A-43D3-8B79-37D633B846F1}">
-                <asvg:svgBlip xmlns:asvg="http://schemas.microsoft.com/office/drawing/2016/SVG/main" r:embed="rId4"/>
+                <asvg:svgBlip xmlns:asvg="http://schemas.microsoft.com/office/drawing/2016/SVG/main" r:embed="rId5"/>
               </a:ext>
             </a:extLst>
           </a:blip>
@@ -1418,10 +1420,10 @@
       <dgm:prSet presAssocID="{C6D21269-399B-4BA2-8621-C7B9DA1E1B8F}" presName="iconRect" presStyleLbl="node1" presStyleIdx="2" presStyleCnt="3" custScaleX="68302" custScaleY="68302" custLinFactNeighborX="-9313" custLinFactNeighborY="-46783"/>
       <dgm:spPr>
         <a:blipFill>
-          <a:blip xmlns:r="http://schemas.openxmlformats.org/officeDocument/2006/relationships" r:embed="rId5">
+          <a:blip xmlns:r="http://schemas.openxmlformats.org/officeDocument/2006/relationships" r:embed="rId6">
             <a:extLst>
               <a:ext uri="{96DAC541-7B7A-43D3-8B79-37D633B846F1}">
-                <asvg:svgBlip xmlns:asvg="http://schemas.microsoft.com/office/drawing/2016/SVG/main" r:embed="rId6"/>
+                <asvg:svgBlip xmlns:asvg="http://schemas.microsoft.com/office/drawing/2016/SVG/main" r:embed="rId7"/>
               </a:ext>
             </a:extLst>
           </a:blip>
@@ -3398,7 +3400,7 @@
           <a:p>
             <a:fld id="{9544EA90-306F-45C7-8AEA-F0890CB16039}" type="datetime1">
               <a:rPr lang="es-ES" smtClean="0"/>
-              <a:t>13/04/2021</a:t>
+              <a:t>14/04/2021</a:t>
             </a:fld>
             <a:endParaRPr lang="es-ES" dirty="0"/>
           </a:p>
@@ -3564,7 +3566,7 @@
             <a:fld id="{2DA2A226-B20B-4D06-8640-8814B3489581}" type="datetime1">
               <a:rPr lang="es-ES" smtClean="0"/>
               <a:pPr/>
-              <a:t>13/04/2021</a:t>
+              <a:t>14/04/2021</a:t>
             </a:fld>
             <a:endParaRPr lang="es-ES" dirty="0"/>
           </a:p>
@@ -4501,7 +4503,7 @@
             <a:pPr rtl="0"/>
             <a:fld id="{57471103-BF6F-4523-9C54-5778E416DB58}" type="datetime1">
               <a:rPr lang="es-ES" noProof="0" smtClean="0"/>
-              <a:t>13/04/2021</a:t>
+              <a:t>14/04/2021</a:t>
             </a:fld>
             <a:endParaRPr lang="es-ES" noProof="0" dirty="0"/>
           </a:p>
@@ -4679,7 +4681,7 @@
             <a:pPr rtl="0"/>
             <a:fld id="{61C921E0-F9B3-4702-8EC0-299925A79D98}" type="datetime1">
               <a:rPr lang="es-ES" noProof="0" smtClean="0"/>
-              <a:t>13/04/2021</a:t>
+              <a:t>14/04/2021</a:t>
             </a:fld>
             <a:endParaRPr lang="es-ES" noProof="0" dirty="0"/>
           </a:p>
@@ -4867,7 +4869,7 @@
             <a:pPr rtl="0"/>
             <a:fld id="{2178A963-0DBC-4F57-AC62-29DD17473BF1}" type="datetime1">
               <a:rPr lang="es-ES" noProof="0" smtClean="0"/>
-              <a:t>13/04/2021</a:t>
+              <a:t>14/04/2021</a:t>
             </a:fld>
             <a:endParaRPr lang="es-ES" noProof="0" dirty="0"/>
           </a:p>
@@ -5045,7 +5047,7 @@
             <a:pPr rtl="0"/>
             <a:fld id="{498DF8EB-855A-4C83-AF3D-50B349D4E538}" type="datetime1">
               <a:rPr lang="es-ES" noProof="0" smtClean="0"/>
-              <a:t>13/04/2021</a:t>
+              <a:t>14/04/2021</a:t>
             </a:fld>
             <a:endParaRPr lang="es-ES" noProof="0" dirty="0"/>
           </a:p>
@@ -5321,7 +5323,7 @@
             <a:pPr rtl="0"/>
             <a:fld id="{9E9B2C39-3850-493C-952C-ECB939438560}" type="datetime1">
               <a:rPr lang="es-ES" noProof="0" smtClean="0"/>
-              <a:t>13/04/2021</a:t>
+              <a:t>14/04/2021</a:t>
             </a:fld>
             <a:endParaRPr lang="es-ES" noProof="0" dirty="0"/>
           </a:p>
@@ -5561,7 +5563,7 @@
             <a:pPr rtl="0"/>
             <a:fld id="{1D5FC420-51AA-4FAF-95BB-30176D68DEE8}" type="datetime1">
               <a:rPr lang="es-ES" noProof="0" smtClean="0"/>
-              <a:t>13/04/2021</a:t>
+              <a:t>14/04/2021</a:t>
             </a:fld>
             <a:endParaRPr lang="es-ES" noProof="0" dirty="0"/>
           </a:p>
@@ -5927,7 +5929,7 @@
             <a:pPr rtl="0"/>
             <a:fld id="{98F8B10C-B5AA-496A-AB83-56DD82CCA5A4}" type="datetime1">
               <a:rPr lang="es-ES" noProof="0" smtClean="0"/>
-              <a:t>13/04/2021</a:t>
+              <a:t>14/04/2021</a:t>
             </a:fld>
             <a:endParaRPr lang="es-ES" noProof="0" dirty="0"/>
           </a:p>
@@ -6078,7 +6080,7 @@
             <a:pPr rtl="0"/>
             <a:fld id="{A5E055F8-74A9-4173-B5CF-879C893039BB}" type="datetime1">
               <a:rPr lang="es-ES" noProof="0" smtClean="0"/>
-              <a:t>13/04/2021</a:t>
+              <a:t>14/04/2021</a:t>
             </a:fld>
             <a:endParaRPr lang="es-ES" noProof="0" dirty="0"/>
           </a:p>
@@ -6180,7 +6182,7 @@
             <a:pPr rtl="0"/>
             <a:fld id="{26141DB3-9D6D-4B67-A217-70651BDEF77B}" type="datetime1">
               <a:rPr lang="es-ES" noProof="0" smtClean="0"/>
-              <a:t>13/04/2021</a:t>
+              <a:t>14/04/2021</a:t>
             </a:fld>
             <a:endParaRPr lang="es-ES" noProof="0" dirty="0"/>
           </a:p>
@@ -6545,7 +6547,7 @@
             <a:pPr rtl="0"/>
             <a:fld id="{3B2F7798-4E4E-464F-96F9-7EFD6F0AD4BD}" type="datetime1">
               <a:rPr lang="es-ES" noProof="0" smtClean="0"/>
-              <a:t>13/04/2021</a:t>
+              <a:t>14/04/2021</a:t>
             </a:fld>
             <a:endParaRPr lang="es-ES" noProof="0" dirty="0"/>
           </a:p>
@@ -6911,7 +6913,7 @@
             <a:pPr rtl="0"/>
             <a:fld id="{CB86E2E8-7102-4A1A-AF5B-45BB32A33A1B}" type="datetime1">
               <a:rPr lang="es-ES" noProof="0" smtClean="0"/>
-              <a:t>13/04/2021</a:t>
+              <a:t>14/04/2021</a:t>
             </a:fld>
             <a:endParaRPr lang="es-ES" noProof="0" dirty="0"/>
           </a:p>
@@ -7159,7 +7161,7 @@
             <a:pPr rtl="0"/>
             <a:fld id="{F9BA73C7-9371-4491-AB0C-39991AAC6058}" type="datetime1">
               <a:rPr lang="es-ES" noProof="0" smtClean="0"/>
-              <a:t>13/04/2021</a:t>
+              <a:t>14/04/2021</a:t>
             </a:fld>
             <a:endParaRPr lang="es-ES" noProof="0" dirty="0"/>
           </a:p>
@@ -8148,7 +8150,7 @@
             <p:ph idx="1"/>
             <p:extLst>
               <p:ext uri="{D42A27DB-BD31-4B8C-83A1-F6EECF244321}">
-                <p14:modId xmlns:p14="http://schemas.microsoft.com/office/powerpoint/2010/main" val="1230561567"/>
+                <p14:modId xmlns:p14="http://schemas.microsoft.com/office/powerpoint/2010/main" val="2000556404"/>
               </p:ext>
             </p:extLst>
           </p:nvPr>
@@ -10200,23 +10202,6 @@
 </file>
 
 <file path=customXml/item1.xml><?xml version="1.0" encoding="utf-8"?>
-<p:properties xmlns:p="http://schemas.microsoft.com/office/2006/metadata/properties" xmlns:xsi="http://www.w3.org/2001/XMLSchema-instance" xmlns:pc="http://schemas.microsoft.com/office/infopath/2007/PartnerControls">
-  <documentManagement>
-    <MediaServiceKeyPoints xmlns="71af3243-3dd4-4a8d-8c0d-dd76da1f02a5" xsi:nil="true"/>
-  </documentManagement>
-</p:properties>
-</file>
-
-<file path=customXml/item2.xml><?xml version="1.0" encoding="utf-8"?>
-<?mso-contentType ?>
-<FormTemplates xmlns="http://schemas.microsoft.com/sharepoint/v3/contenttype/forms">
-  <Display>DocumentLibraryForm</Display>
-  <Edit>DocumentLibraryForm</Edit>
-  <New>DocumentLibraryForm</New>
-</FormTemplates>
-</file>
-
-<file path=customXml/item3.xml><?xml version="1.0" encoding="utf-8"?>
 <ct:contentTypeSchema xmlns:ct="http://schemas.microsoft.com/office/2006/metadata/contentType" xmlns:ma="http://schemas.microsoft.com/office/2006/metadata/properties/metaAttributes" ct:_="" ma:_="" ma:contentTypeName="Document" ma:contentTypeID="0x01010079F111ED35F8CC479449609E8A0923A6" ma:contentTypeVersion="11" ma:contentTypeDescription="Create a new document." ma:contentTypeScope="" ma:versionID="1c2eb7a32e66fb6e4260f3771546a5e2">
   <xsd:schema xmlns:xsd="http://www.w3.org/2001/XMLSchema" xmlns:xs="http://www.w3.org/2001/XMLSchema" xmlns:p="http://schemas.microsoft.com/office/2006/metadata/properties" xmlns:ns2="71af3243-3dd4-4a8d-8c0d-dd76da1f02a5" xmlns:ns3="16c05727-aa75-4e4a-9b5f-8a80a1165891" targetNamespace="http://schemas.microsoft.com/office/2006/metadata/properties" ma:root="true" ma:fieldsID="04e1f6479c48b08974ba73b5ca973489" ns2:_="" ns3:_="">
     <xsd:import namespace="71af3243-3dd4-4a8d-8c0d-dd76da1f02a5"/>
@@ -10427,25 +10412,24 @@
 </ct:contentTypeSchema>
 </file>
 
-<file path=customXml/itemProps1.xml><?xml version="1.0" encoding="utf-8"?>
-<ds:datastoreItem xmlns:ds="http://schemas.openxmlformats.org/officeDocument/2006/customXml" ds:itemID="{620ED59B-F67D-4B99-A0A7-E5237FF58100}">
-  <ds:schemaRefs>
-    <ds:schemaRef ds:uri="http://schemas.microsoft.com/office/2006/metadata/properties"/>
-    <ds:schemaRef ds:uri="http://schemas.microsoft.com/office/infopath/2007/PartnerControls"/>
-    <ds:schemaRef ds:uri="71af3243-3dd4-4a8d-8c0d-dd76da1f02a5"/>
-  </ds:schemaRefs>
-</ds:datastoreItem>
+<file path=customXml/item2.xml><?xml version="1.0" encoding="utf-8"?>
+<?mso-contentType ?>
+<FormTemplates xmlns="http://schemas.microsoft.com/sharepoint/v3/contenttype/forms">
+  <Display>DocumentLibraryForm</Display>
+  <Edit>DocumentLibraryForm</Edit>
+  <New>DocumentLibraryForm</New>
+</FormTemplates>
 </file>
 
-<file path=customXml/itemProps2.xml><?xml version="1.0" encoding="utf-8"?>
-<ds:datastoreItem xmlns:ds="http://schemas.openxmlformats.org/officeDocument/2006/customXml" ds:itemID="{3E17AD15-0DEB-4851-82A2-261C041346DD}">
-  <ds:schemaRefs>
-    <ds:schemaRef ds:uri="http://schemas.microsoft.com/sharepoint/v3/contenttype/forms"/>
-  </ds:schemaRefs>
-</ds:datastoreItem>
+<file path=customXml/item3.xml><?xml version="1.0" encoding="utf-8"?>
+<p:properties xmlns:p="http://schemas.microsoft.com/office/2006/metadata/properties" xmlns:xsi="http://www.w3.org/2001/XMLSchema-instance" xmlns:pc="http://schemas.microsoft.com/office/infopath/2007/PartnerControls">
+  <documentManagement>
+    <MediaServiceKeyPoints xmlns="71af3243-3dd4-4a8d-8c0d-dd76da1f02a5" xsi:nil="true"/>
+  </documentManagement>
+</p:properties>
 </file>
 
-<file path=customXml/itemProps3.xml><?xml version="1.0" encoding="utf-8"?>
+<file path=customXml/itemProps1.xml><?xml version="1.0" encoding="utf-8"?>
 <ds:datastoreItem xmlns:ds="http://schemas.openxmlformats.org/officeDocument/2006/customXml" ds:itemID="{22736BCB-6CE4-414B-B2BE-1DA087E5215C}">
   <ds:schemaRefs>
     <ds:schemaRef ds:uri="http://schemas.microsoft.com/office/2006/metadata/contentType"/>
@@ -10462,4 +10446,22 @@
     <ds:schemaRef ds:uri="http://schemas.microsoft.com/internal/obd"/>
   </ds:schemaRefs>
 </ds:datastoreItem>
+</file>
+
+<file path=customXml/itemProps2.xml><?xml version="1.0" encoding="utf-8"?>
+<ds:datastoreItem xmlns:ds="http://schemas.openxmlformats.org/officeDocument/2006/customXml" ds:itemID="{3E17AD15-0DEB-4851-82A2-261C041346DD}">
+  <ds:schemaRefs>
+    <ds:schemaRef ds:uri="http://schemas.microsoft.com/sharepoint/v3/contenttype/forms"/>
+  </ds:schemaRefs>
+</ds:datastoreItem>
+</file>
+
+<file path=customXml/itemProps3.xml><?xml version="1.0" encoding="utf-8"?>
+<ds:datastoreItem xmlns:ds="http://schemas.openxmlformats.org/officeDocument/2006/customXml" ds:itemID="{620ED59B-F67D-4B99-A0A7-E5237FF58100}">
+  <ds:schemaRefs>
+    <ds:schemaRef ds:uri="http://schemas.microsoft.com/office/2006/metadata/properties"/>
+    <ds:schemaRef ds:uri="http://schemas.microsoft.com/office/infopath/2007/PartnerControls"/>
+    <ds:schemaRef ds:uri="71af3243-3dd4-4a8d-8c0d-dd76da1f02a5"/>
+  </ds:schemaRefs>
+</ds:datastoreItem>
 </file>